--- a/WebContent/WEB-INF/templates/25th Anniversary/master.pptx
+++ b/WebContent/WEB-INF/templates/25th Anniversary/master.pptx
@@ -9288,7 +9288,7 @@
           <a:p>
             <a:pPr algn="ctr" defTabSz="457155"/>
             <a:r>
-              <a:rPr lang="en-US" sz="1800" b="1" i="1" kern="0" dirty="0" err="1">
+              <a:rPr lang="en-US" sz="1800" b="1" i="1" kern="0" dirty="0" err="1" smtClean="0">
                 <a:solidFill>
                   <a:schemeClr val="bg1">
                     <a:lumMod val="50000"/>
@@ -9301,20 +9301,7 @@
               <a:t>NextBhajan</a:t>
             </a:r>
             <a:r>
-              <a:rPr lang="en-US" sz="1800" b="1" i="1" kern="0" dirty="0">
-                <a:solidFill>
-                  <a:schemeClr val="bg1">
-                    <a:lumMod val="50000"/>
-                  </a:schemeClr>
-                </a:solidFill>
-                <a:ea typeface="Arial"/>
-                <a:cs typeface="Arial"/>
-                <a:sym typeface="Arial"/>
-              </a:rPr>
-              <a:t>, </a:t>
-            </a:r>
-            <a:r>
-              <a:rPr lang="en-US" sz="1800" b="1" i="1" kern="0" dirty="0" err="1">
+              <a:rPr lang="en-US" sz="1800" b="1" i="1" kern="0" dirty="0" err="1" smtClean="0">
                 <a:solidFill>
                   <a:schemeClr val="bg1">
                     <a:lumMod val="50000"/>
@@ -9393,8 +9380,8 @@
         </p:blipFill>
         <p:spPr>
           <a:xfrm>
-            <a:off x="8079113" y="857249"/>
-            <a:ext cx="1041137" cy="1164733"/>
+            <a:off x="8010605" y="857249"/>
+            <a:ext cx="1109645" cy="1241374"/>
           </a:xfrm>
           <a:prstGeom prst="rect">
             <a:avLst/>

--- a/WebContent/WEB-INF/templates/25th Anniversary/master.pptx
+++ b/WebContent/WEB-INF/templates/25th Anniversary/master.pptx
@@ -9275,7 +9275,7 @@
         </p:nvSpPr>
         <p:spPr>
           <a:xfrm>
-            <a:off x="997529" y="5584894"/>
+            <a:off x="997529" y="5599884"/>
             <a:ext cx="7113316" cy="532589"/>
           </a:xfrm>
           <a:prstGeom prst="rect">
@@ -9298,20 +9298,7 @@
                 <a:cs typeface="Arial"/>
                 <a:sym typeface="Arial"/>
               </a:rPr>
-              <a:t>NextBhajan</a:t>
-            </a:r>
-            <a:r>
-              <a:rPr lang="en-US" sz="1800" b="1" i="1" kern="0" dirty="0" err="1" smtClean="0">
-                <a:solidFill>
-                  <a:schemeClr val="bg1">
-                    <a:lumMod val="50000"/>
-                  </a:schemeClr>
-                </a:solidFill>
-                <a:ea typeface="Arial"/>
-                <a:cs typeface="Arial"/>
-                <a:sym typeface="Arial"/>
-              </a:rPr>
-              <a:t>NextScale</a:t>
+              <a:t>NextBhajanAndScale</a:t>
             </a:r>
             <a:endParaRPr lang="en-US" sz="1800" b="1" i="1" kern="0" dirty="0">
               <a:solidFill>

--- a/WebContent/WEB-INF/templates/25th Anniversary/master.pptx
+++ b/WebContent/WEB-INF/templates/25th Anniversary/master.pptx
@@ -199,7 +199,7 @@
           <a:p>
             <a:fld id="{4A03472A-F286-9543-9F65-E88EC153A9C1}" type="datetimeFigureOut">
               <a:rPr lang="en-US" smtClean="0"/>
-              <a:t>3/18/17</a:t>
+              <a:t>3/23/17</a:t>
             </a:fld>
             <a:endParaRPr lang="en-US"/>
           </a:p>
@@ -697,7 +697,7 @@
           <a:p>
             <a:fld id="{D0EB8BDA-D505-2D4C-A404-933AA441AD23}" type="datetimeFigureOut">
               <a:rPr lang="en-US" smtClean="0"/>
-              <a:t>3/18/17</a:t>
+              <a:t>3/23/17</a:t>
             </a:fld>
             <a:endParaRPr lang="en-US"/>
           </a:p>
@@ -907,7 +907,7 @@
           <a:p>
             <a:fld id="{D0EB8BDA-D505-2D4C-A404-933AA441AD23}" type="datetimeFigureOut">
               <a:rPr lang="en-US" smtClean="0"/>
-              <a:t>3/18/17</a:t>
+              <a:t>3/23/17</a:t>
             </a:fld>
             <a:endParaRPr lang="en-US"/>
           </a:p>
@@ -1129,7 +1129,7 @@
           <a:p>
             <a:fld id="{5403ACA4-5A36-1D4B-9385-9AF87ADF2C6A}" type="datetimeFigureOut">
               <a:rPr lang="en-US" smtClean="0"/>
-              <a:t>3/18/17</a:t>
+              <a:t>3/23/17</a:t>
             </a:fld>
             <a:endParaRPr lang="en-US"/>
           </a:p>
@@ -1339,7 +1339,7 @@
           <a:p>
             <a:fld id="{5403ACA4-5A36-1D4B-9385-9AF87ADF2C6A}" type="datetimeFigureOut">
               <a:rPr lang="en-US" smtClean="0"/>
-              <a:t>3/18/17</a:t>
+              <a:t>3/23/17</a:t>
             </a:fld>
             <a:endParaRPr lang="en-US"/>
           </a:p>
@@ -1615,7 +1615,7 @@
           <a:p>
             <a:fld id="{5403ACA4-5A36-1D4B-9385-9AF87ADF2C6A}" type="datetimeFigureOut">
               <a:rPr lang="en-US" smtClean="0"/>
-              <a:t>3/18/17</a:t>
+              <a:t>3/23/17</a:t>
             </a:fld>
             <a:endParaRPr lang="en-US"/>
           </a:p>
@@ -1885,7 +1885,7 @@
           <a:p>
             <a:fld id="{5403ACA4-5A36-1D4B-9385-9AF87ADF2C6A}" type="datetimeFigureOut">
               <a:rPr lang="en-US" smtClean="0"/>
-              <a:t>3/18/17</a:t>
+              <a:t>3/23/17</a:t>
             </a:fld>
             <a:endParaRPr lang="en-US"/>
           </a:p>
@@ -2291,7 +2291,7 @@
           <a:p>
             <a:fld id="{5403ACA4-5A36-1D4B-9385-9AF87ADF2C6A}" type="datetimeFigureOut">
               <a:rPr lang="en-US" smtClean="0"/>
-              <a:t>3/18/17</a:t>
+              <a:t>3/23/17</a:t>
             </a:fld>
             <a:endParaRPr lang="en-US"/>
           </a:p>
@@ -2441,7 +2441,7 @@
           <a:p>
             <a:fld id="{5403ACA4-5A36-1D4B-9385-9AF87ADF2C6A}" type="datetimeFigureOut">
               <a:rPr lang="en-US" smtClean="0"/>
-              <a:t>3/18/17</a:t>
+              <a:t>3/23/17</a:t>
             </a:fld>
             <a:endParaRPr lang="en-US"/>
           </a:p>
@@ -2560,7 +2560,7 @@
           <a:p>
             <a:fld id="{5403ACA4-5A36-1D4B-9385-9AF87ADF2C6A}" type="datetimeFigureOut">
               <a:rPr lang="en-US" smtClean="0"/>
-              <a:t>3/18/17</a:t>
+              <a:t>3/23/17</a:t>
             </a:fld>
             <a:endParaRPr lang="en-US"/>
           </a:p>
@@ -2870,7 +2870,7 @@
           <a:p>
             <a:fld id="{5403ACA4-5A36-1D4B-9385-9AF87ADF2C6A}" type="datetimeFigureOut">
               <a:rPr lang="en-US" smtClean="0"/>
-              <a:t>3/18/17</a:t>
+              <a:t>3/23/17</a:t>
             </a:fld>
             <a:endParaRPr lang="en-US"/>
           </a:p>
@@ -3080,7 +3080,7 @@
           <a:p>
             <a:fld id="{D0EB8BDA-D505-2D4C-A404-933AA441AD23}" type="datetimeFigureOut">
               <a:rPr lang="en-US" smtClean="0"/>
-              <a:t>3/18/17</a:t>
+              <a:t>3/23/17</a:t>
             </a:fld>
             <a:endParaRPr lang="en-US"/>
           </a:p>
@@ -3366,7 +3366,7 @@
           <a:p>
             <a:fld id="{5403ACA4-5A36-1D4B-9385-9AF87ADF2C6A}" type="datetimeFigureOut">
               <a:rPr lang="en-US" smtClean="0"/>
-              <a:t>3/18/17</a:t>
+              <a:t>3/23/17</a:t>
             </a:fld>
             <a:endParaRPr lang="en-US"/>
           </a:p>
@@ -3576,7 +3576,7 @@
           <a:p>
             <a:fld id="{5403ACA4-5A36-1D4B-9385-9AF87ADF2C6A}" type="datetimeFigureOut">
               <a:rPr lang="en-US" smtClean="0"/>
-              <a:t>3/18/17</a:t>
+              <a:t>3/23/17</a:t>
             </a:fld>
             <a:endParaRPr lang="en-US"/>
           </a:p>
@@ -3786,7 +3786,7 @@
           <a:p>
             <a:fld id="{5403ACA4-5A36-1D4B-9385-9AF87ADF2C6A}" type="datetimeFigureOut">
               <a:rPr lang="en-US" smtClean="0"/>
-              <a:t>3/18/17</a:t>
+              <a:t>3/23/17</a:t>
             </a:fld>
             <a:endParaRPr lang="en-US"/>
           </a:p>
@@ -3994,7 +3994,7 @@
           <a:p>
             <a:fld id="{5403ACA4-5A36-1D4B-9385-9AF87ADF2C6A}" type="datetimeFigureOut">
               <a:rPr lang="en-US" smtClean="0"/>
-              <a:t>3/18/17</a:t>
+              <a:t>3/23/17</a:t>
             </a:fld>
             <a:endParaRPr lang="en-US"/>
           </a:p>
@@ -4159,7 +4159,7 @@
           <a:p>
             <a:fld id="{5403ACA4-5A36-1D4B-9385-9AF87ADF2C6A}" type="datetimeFigureOut">
               <a:rPr lang="en-US" smtClean="0"/>
-              <a:t>3/18/17</a:t>
+              <a:t>3/23/17</a:t>
             </a:fld>
             <a:endParaRPr lang="en-US"/>
           </a:p>
@@ -4398,7 +4398,7 @@
           <a:p>
             <a:fld id="{5403ACA4-5A36-1D4B-9385-9AF87ADF2C6A}" type="datetimeFigureOut">
               <a:rPr lang="en-US" smtClean="0"/>
-              <a:t>3/18/17</a:t>
+              <a:t>3/23/17</a:t>
             </a:fld>
             <a:endParaRPr lang="en-US"/>
           </a:p>
@@ -4625,7 +4625,7 @@
           <a:p>
             <a:fld id="{5403ACA4-5A36-1D4B-9385-9AF87ADF2C6A}" type="datetimeFigureOut">
               <a:rPr lang="en-US" smtClean="0"/>
-              <a:t>3/18/17</a:t>
+              <a:t>3/23/17</a:t>
             </a:fld>
             <a:endParaRPr lang="en-US"/>
           </a:p>
@@ -4987,7 +4987,7 @@
           <a:p>
             <a:fld id="{5403ACA4-5A36-1D4B-9385-9AF87ADF2C6A}" type="datetimeFigureOut">
               <a:rPr lang="en-US" smtClean="0"/>
-              <a:t>3/18/17</a:t>
+              <a:t>3/23/17</a:t>
             </a:fld>
             <a:endParaRPr lang="en-US"/>
           </a:p>
@@ -5100,7 +5100,7 @@
           <a:p>
             <a:fld id="{5403ACA4-5A36-1D4B-9385-9AF87ADF2C6A}" type="datetimeFigureOut">
               <a:rPr lang="en-US" smtClean="0"/>
-              <a:t>3/18/17</a:t>
+              <a:t>3/23/17</a:t>
             </a:fld>
             <a:endParaRPr lang="en-US"/>
           </a:p>
@@ -5190,7 +5190,7 @@
           <a:p>
             <a:fld id="{5403ACA4-5A36-1D4B-9385-9AF87ADF2C6A}" type="datetimeFigureOut">
               <a:rPr lang="en-US" smtClean="0"/>
-              <a:t>3/18/17</a:t>
+              <a:t>3/23/17</a:t>
             </a:fld>
             <a:endParaRPr lang="en-US"/>
           </a:p>
@@ -5445,7 +5445,7 @@
           <a:p>
             <a:fld id="{D0EB8BDA-D505-2D4C-A404-933AA441AD23}" type="datetimeFigureOut">
               <a:rPr lang="en-US" smtClean="0"/>
-              <a:t>3/18/17</a:t>
+              <a:t>3/23/17</a:t>
             </a:fld>
             <a:endParaRPr lang="en-US"/>
           </a:p>
@@ -5738,7 +5738,7 @@
           <a:p>
             <a:fld id="{5403ACA4-5A36-1D4B-9385-9AF87ADF2C6A}" type="datetimeFigureOut">
               <a:rPr lang="en-US" smtClean="0"/>
-              <a:t>3/18/17</a:t>
+              <a:t>3/23/17</a:t>
             </a:fld>
             <a:endParaRPr lang="en-US"/>
           </a:p>
@@ -5990,7 +5990,7 @@
           <a:p>
             <a:fld id="{5403ACA4-5A36-1D4B-9385-9AF87ADF2C6A}" type="datetimeFigureOut">
               <a:rPr lang="en-US" smtClean="0"/>
-              <a:t>3/18/17</a:t>
+              <a:t>3/23/17</a:t>
             </a:fld>
             <a:endParaRPr lang="en-US"/>
           </a:p>
@@ -6155,7 +6155,7 @@
           <a:p>
             <a:fld id="{5403ACA4-5A36-1D4B-9385-9AF87ADF2C6A}" type="datetimeFigureOut">
               <a:rPr lang="en-US" smtClean="0"/>
-              <a:t>3/18/17</a:t>
+              <a:t>3/23/17</a:t>
             </a:fld>
             <a:endParaRPr lang="en-US"/>
           </a:p>
@@ -6330,7 +6330,7 @@
           <a:p>
             <a:fld id="{5403ACA4-5A36-1D4B-9385-9AF87ADF2C6A}" type="datetimeFigureOut">
               <a:rPr lang="en-US" smtClean="0"/>
-              <a:t>3/18/17</a:t>
+              <a:t>3/23/17</a:t>
             </a:fld>
             <a:endParaRPr lang="en-US"/>
           </a:p>
@@ -6579,7 +6579,7 @@
           <a:p>
             <a:fld id="{D0EB8BDA-D505-2D4C-A404-933AA441AD23}" type="datetimeFigureOut">
               <a:rPr lang="en-US" smtClean="0"/>
-              <a:t>3/18/17</a:t>
+              <a:t>3/23/17</a:t>
             </a:fld>
             <a:endParaRPr lang="en-US"/>
           </a:p>
@@ -6985,7 +6985,7 @@
           <a:p>
             <a:fld id="{D0EB8BDA-D505-2D4C-A404-933AA441AD23}" type="datetimeFigureOut">
               <a:rPr lang="en-US" smtClean="0"/>
-              <a:t>3/18/17</a:t>
+              <a:t>3/23/17</a:t>
             </a:fld>
             <a:endParaRPr lang="en-US"/>
           </a:p>
@@ -7135,7 +7135,7 @@
           <a:p>
             <a:fld id="{D0EB8BDA-D505-2D4C-A404-933AA441AD23}" type="datetimeFigureOut">
               <a:rPr lang="en-US" smtClean="0"/>
-              <a:t>3/18/17</a:t>
+              <a:t>3/23/17</a:t>
             </a:fld>
             <a:endParaRPr lang="en-US"/>
           </a:p>
@@ -7254,7 +7254,7 @@
           <a:p>
             <a:fld id="{D0EB8BDA-D505-2D4C-A404-933AA441AD23}" type="datetimeFigureOut">
               <a:rPr lang="en-US" smtClean="0"/>
-              <a:t>3/18/17</a:t>
+              <a:t>3/23/17</a:t>
             </a:fld>
             <a:endParaRPr lang="en-US"/>
           </a:p>
@@ -7564,7 +7564,7 @@
           <a:p>
             <a:fld id="{D0EB8BDA-D505-2D4C-A404-933AA441AD23}" type="datetimeFigureOut">
               <a:rPr lang="en-US" smtClean="0"/>
-              <a:t>3/18/17</a:t>
+              <a:t>3/23/17</a:t>
             </a:fld>
             <a:endParaRPr lang="en-US"/>
           </a:p>
@@ -7850,7 +7850,7 @@
           <a:p>
             <a:fld id="{D0EB8BDA-D505-2D4C-A404-933AA441AD23}" type="datetimeFigureOut">
               <a:rPr lang="en-US" smtClean="0"/>
-              <a:t>3/18/17</a:t>
+              <a:t>3/23/17</a:t>
             </a:fld>
             <a:endParaRPr lang="en-US"/>
           </a:p>
@@ -8791,7 +8791,7 @@
           <a:p>
             <a:fld id="{C764DE79-268F-4C1A-8933-263129D2AF90}" type="datetimeFigureOut">
               <a:rPr lang="en-US" dirty="0"/>
-              <a:t>3/18/17</a:t>
+              <a:t>3/23/17</a:t>
             </a:fld>
             <a:endParaRPr lang="en-US" dirty="0"/>
           </a:p>
@@ -9204,8 +9204,8 @@
         </p:nvSpPr>
         <p:spPr>
           <a:xfrm>
-            <a:off x="18038" y="4562500"/>
-            <a:ext cx="9102211" cy="1021712"/>
+            <a:off x="18038" y="4721902"/>
+            <a:ext cx="9102211" cy="862309"/>
           </a:xfrm>
           <a:prstGeom prst="rect">
             <a:avLst/>
@@ -9367,8 +9367,8 @@
         </p:blipFill>
         <p:spPr>
           <a:xfrm>
-            <a:off x="8010605" y="857249"/>
-            <a:ext cx="1109645" cy="1241374"/>
+            <a:off x="7734927" y="857248"/>
+            <a:ext cx="1295384" cy="1449163"/>
           </a:xfrm>
           <a:prstGeom prst="rect">
             <a:avLst/>
@@ -9397,8 +9397,8 @@
         </p:blipFill>
         <p:spPr>
           <a:xfrm>
-            <a:off x="-5774" y="867465"/>
-            <a:ext cx="1003302" cy="1010290"/>
+            <a:off x="9215" y="867465"/>
+            <a:ext cx="1219977" cy="1228474"/>
           </a:xfrm>
           <a:prstGeom prst="rect">
             <a:avLst/>
@@ -9413,7 +9413,7 @@
         </p:nvSpPr>
         <p:spPr>
           <a:xfrm>
-            <a:off x="18035" y="1797928"/>
+            <a:off x="18035" y="2067748"/>
             <a:ext cx="9102212" cy="2517313"/>
           </a:xfrm>
           <a:prstGeom prst="rect">

--- a/WebContent/WEB-INF/templates/25th Anniversary/master.pptx
+++ b/WebContent/WEB-INF/templates/25th Anniversary/master.pptx
@@ -199,7 +199,7 @@
           <a:p>
             <a:fld id="{4A03472A-F286-9543-9F65-E88EC153A9C1}" type="datetimeFigureOut">
               <a:rPr lang="en-US" smtClean="0"/>
-              <a:t>3/23/17</a:t>
+              <a:t>4/8/17</a:t>
             </a:fld>
             <a:endParaRPr lang="en-US"/>
           </a:p>
@@ -697,7 +697,7 @@
           <a:p>
             <a:fld id="{D0EB8BDA-D505-2D4C-A404-933AA441AD23}" type="datetimeFigureOut">
               <a:rPr lang="en-US" smtClean="0"/>
-              <a:t>3/23/17</a:t>
+              <a:t>4/8/17</a:t>
             </a:fld>
             <a:endParaRPr lang="en-US"/>
           </a:p>
@@ -907,7 +907,7 @@
           <a:p>
             <a:fld id="{D0EB8BDA-D505-2D4C-A404-933AA441AD23}" type="datetimeFigureOut">
               <a:rPr lang="en-US" smtClean="0"/>
-              <a:t>3/23/17</a:t>
+              <a:t>4/8/17</a:t>
             </a:fld>
             <a:endParaRPr lang="en-US"/>
           </a:p>
@@ -1129,7 +1129,7 @@
           <a:p>
             <a:fld id="{5403ACA4-5A36-1D4B-9385-9AF87ADF2C6A}" type="datetimeFigureOut">
               <a:rPr lang="en-US" smtClean="0"/>
-              <a:t>3/23/17</a:t>
+              <a:t>4/8/17</a:t>
             </a:fld>
             <a:endParaRPr lang="en-US"/>
           </a:p>
@@ -1339,7 +1339,7 @@
           <a:p>
             <a:fld id="{5403ACA4-5A36-1D4B-9385-9AF87ADF2C6A}" type="datetimeFigureOut">
               <a:rPr lang="en-US" smtClean="0"/>
-              <a:t>3/23/17</a:t>
+              <a:t>4/8/17</a:t>
             </a:fld>
             <a:endParaRPr lang="en-US"/>
           </a:p>
@@ -1615,7 +1615,7 @@
           <a:p>
             <a:fld id="{5403ACA4-5A36-1D4B-9385-9AF87ADF2C6A}" type="datetimeFigureOut">
               <a:rPr lang="en-US" smtClean="0"/>
-              <a:t>3/23/17</a:t>
+              <a:t>4/8/17</a:t>
             </a:fld>
             <a:endParaRPr lang="en-US"/>
           </a:p>
@@ -1885,7 +1885,7 @@
           <a:p>
             <a:fld id="{5403ACA4-5A36-1D4B-9385-9AF87ADF2C6A}" type="datetimeFigureOut">
               <a:rPr lang="en-US" smtClean="0"/>
-              <a:t>3/23/17</a:t>
+              <a:t>4/8/17</a:t>
             </a:fld>
             <a:endParaRPr lang="en-US"/>
           </a:p>
@@ -2291,7 +2291,7 @@
           <a:p>
             <a:fld id="{5403ACA4-5A36-1D4B-9385-9AF87ADF2C6A}" type="datetimeFigureOut">
               <a:rPr lang="en-US" smtClean="0"/>
-              <a:t>3/23/17</a:t>
+              <a:t>4/8/17</a:t>
             </a:fld>
             <a:endParaRPr lang="en-US"/>
           </a:p>
@@ -2441,7 +2441,7 @@
           <a:p>
             <a:fld id="{5403ACA4-5A36-1D4B-9385-9AF87ADF2C6A}" type="datetimeFigureOut">
               <a:rPr lang="en-US" smtClean="0"/>
-              <a:t>3/23/17</a:t>
+              <a:t>4/8/17</a:t>
             </a:fld>
             <a:endParaRPr lang="en-US"/>
           </a:p>
@@ -2560,7 +2560,7 @@
           <a:p>
             <a:fld id="{5403ACA4-5A36-1D4B-9385-9AF87ADF2C6A}" type="datetimeFigureOut">
               <a:rPr lang="en-US" smtClean="0"/>
-              <a:t>3/23/17</a:t>
+              <a:t>4/8/17</a:t>
             </a:fld>
             <a:endParaRPr lang="en-US"/>
           </a:p>
@@ -2870,7 +2870,7 @@
           <a:p>
             <a:fld id="{5403ACA4-5A36-1D4B-9385-9AF87ADF2C6A}" type="datetimeFigureOut">
               <a:rPr lang="en-US" smtClean="0"/>
-              <a:t>3/23/17</a:t>
+              <a:t>4/8/17</a:t>
             </a:fld>
             <a:endParaRPr lang="en-US"/>
           </a:p>
@@ -3080,7 +3080,7 @@
           <a:p>
             <a:fld id="{D0EB8BDA-D505-2D4C-A404-933AA441AD23}" type="datetimeFigureOut">
               <a:rPr lang="en-US" smtClean="0"/>
-              <a:t>3/23/17</a:t>
+              <a:t>4/8/17</a:t>
             </a:fld>
             <a:endParaRPr lang="en-US"/>
           </a:p>
@@ -3366,7 +3366,7 @@
           <a:p>
             <a:fld id="{5403ACA4-5A36-1D4B-9385-9AF87ADF2C6A}" type="datetimeFigureOut">
               <a:rPr lang="en-US" smtClean="0"/>
-              <a:t>3/23/17</a:t>
+              <a:t>4/8/17</a:t>
             </a:fld>
             <a:endParaRPr lang="en-US"/>
           </a:p>
@@ -3576,7 +3576,7 @@
           <a:p>
             <a:fld id="{5403ACA4-5A36-1D4B-9385-9AF87ADF2C6A}" type="datetimeFigureOut">
               <a:rPr lang="en-US" smtClean="0"/>
-              <a:t>3/23/17</a:t>
+              <a:t>4/8/17</a:t>
             </a:fld>
             <a:endParaRPr lang="en-US"/>
           </a:p>
@@ -3786,7 +3786,7 @@
           <a:p>
             <a:fld id="{5403ACA4-5A36-1D4B-9385-9AF87ADF2C6A}" type="datetimeFigureOut">
               <a:rPr lang="en-US" smtClean="0"/>
-              <a:t>3/23/17</a:t>
+              <a:t>4/8/17</a:t>
             </a:fld>
             <a:endParaRPr lang="en-US"/>
           </a:p>
@@ -3994,7 +3994,7 @@
           <a:p>
             <a:fld id="{5403ACA4-5A36-1D4B-9385-9AF87ADF2C6A}" type="datetimeFigureOut">
               <a:rPr lang="en-US" smtClean="0"/>
-              <a:t>3/23/17</a:t>
+              <a:t>4/8/17</a:t>
             </a:fld>
             <a:endParaRPr lang="en-US"/>
           </a:p>
@@ -4159,7 +4159,7 @@
           <a:p>
             <a:fld id="{5403ACA4-5A36-1D4B-9385-9AF87ADF2C6A}" type="datetimeFigureOut">
               <a:rPr lang="en-US" smtClean="0"/>
-              <a:t>3/23/17</a:t>
+              <a:t>4/8/17</a:t>
             </a:fld>
             <a:endParaRPr lang="en-US"/>
           </a:p>
@@ -4398,7 +4398,7 @@
           <a:p>
             <a:fld id="{5403ACA4-5A36-1D4B-9385-9AF87ADF2C6A}" type="datetimeFigureOut">
               <a:rPr lang="en-US" smtClean="0"/>
-              <a:t>3/23/17</a:t>
+              <a:t>4/8/17</a:t>
             </a:fld>
             <a:endParaRPr lang="en-US"/>
           </a:p>
@@ -4625,7 +4625,7 @@
           <a:p>
             <a:fld id="{5403ACA4-5A36-1D4B-9385-9AF87ADF2C6A}" type="datetimeFigureOut">
               <a:rPr lang="en-US" smtClean="0"/>
-              <a:t>3/23/17</a:t>
+              <a:t>4/8/17</a:t>
             </a:fld>
             <a:endParaRPr lang="en-US"/>
           </a:p>
@@ -4987,7 +4987,7 @@
           <a:p>
             <a:fld id="{5403ACA4-5A36-1D4B-9385-9AF87ADF2C6A}" type="datetimeFigureOut">
               <a:rPr lang="en-US" smtClean="0"/>
-              <a:t>3/23/17</a:t>
+              <a:t>4/8/17</a:t>
             </a:fld>
             <a:endParaRPr lang="en-US"/>
           </a:p>
@@ -5100,7 +5100,7 @@
           <a:p>
             <a:fld id="{5403ACA4-5A36-1D4B-9385-9AF87ADF2C6A}" type="datetimeFigureOut">
               <a:rPr lang="en-US" smtClean="0"/>
-              <a:t>3/23/17</a:t>
+              <a:t>4/8/17</a:t>
             </a:fld>
             <a:endParaRPr lang="en-US"/>
           </a:p>
@@ -5190,7 +5190,7 @@
           <a:p>
             <a:fld id="{5403ACA4-5A36-1D4B-9385-9AF87ADF2C6A}" type="datetimeFigureOut">
               <a:rPr lang="en-US" smtClean="0"/>
-              <a:t>3/23/17</a:t>
+              <a:t>4/8/17</a:t>
             </a:fld>
             <a:endParaRPr lang="en-US"/>
           </a:p>
@@ -5445,7 +5445,7 @@
           <a:p>
             <a:fld id="{D0EB8BDA-D505-2D4C-A404-933AA441AD23}" type="datetimeFigureOut">
               <a:rPr lang="en-US" smtClean="0"/>
-              <a:t>3/23/17</a:t>
+              <a:t>4/8/17</a:t>
             </a:fld>
             <a:endParaRPr lang="en-US"/>
           </a:p>
@@ -5738,7 +5738,7 @@
           <a:p>
             <a:fld id="{5403ACA4-5A36-1D4B-9385-9AF87ADF2C6A}" type="datetimeFigureOut">
               <a:rPr lang="en-US" smtClean="0"/>
-              <a:t>3/23/17</a:t>
+              <a:t>4/8/17</a:t>
             </a:fld>
             <a:endParaRPr lang="en-US"/>
           </a:p>
@@ -5990,7 +5990,7 @@
           <a:p>
             <a:fld id="{5403ACA4-5A36-1D4B-9385-9AF87ADF2C6A}" type="datetimeFigureOut">
               <a:rPr lang="en-US" smtClean="0"/>
-              <a:t>3/23/17</a:t>
+              <a:t>4/8/17</a:t>
             </a:fld>
             <a:endParaRPr lang="en-US"/>
           </a:p>
@@ -6155,7 +6155,7 @@
           <a:p>
             <a:fld id="{5403ACA4-5A36-1D4B-9385-9AF87ADF2C6A}" type="datetimeFigureOut">
               <a:rPr lang="en-US" smtClean="0"/>
-              <a:t>3/23/17</a:t>
+              <a:t>4/8/17</a:t>
             </a:fld>
             <a:endParaRPr lang="en-US"/>
           </a:p>
@@ -6330,7 +6330,7 @@
           <a:p>
             <a:fld id="{5403ACA4-5A36-1D4B-9385-9AF87ADF2C6A}" type="datetimeFigureOut">
               <a:rPr lang="en-US" smtClean="0"/>
-              <a:t>3/23/17</a:t>
+              <a:t>4/8/17</a:t>
             </a:fld>
             <a:endParaRPr lang="en-US"/>
           </a:p>
@@ -6579,7 +6579,7 @@
           <a:p>
             <a:fld id="{D0EB8BDA-D505-2D4C-A404-933AA441AD23}" type="datetimeFigureOut">
               <a:rPr lang="en-US" smtClean="0"/>
-              <a:t>3/23/17</a:t>
+              <a:t>4/8/17</a:t>
             </a:fld>
             <a:endParaRPr lang="en-US"/>
           </a:p>
@@ -6985,7 +6985,7 @@
           <a:p>
             <a:fld id="{D0EB8BDA-D505-2D4C-A404-933AA441AD23}" type="datetimeFigureOut">
               <a:rPr lang="en-US" smtClean="0"/>
-              <a:t>3/23/17</a:t>
+              <a:t>4/8/17</a:t>
             </a:fld>
             <a:endParaRPr lang="en-US"/>
           </a:p>
@@ -7135,7 +7135,7 @@
           <a:p>
             <a:fld id="{D0EB8BDA-D505-2D4C-A404-933AA441AD23}" type="datetimeFigureOut">
               <a:rPr lang="en-US" smtClean="0"/>
-              <a:t>3/23/17</a:t>
+              <a:t>4/8/17</a:t>
             </a:fld>
             <a:endParaRPr lang="en-US"/>
           </a:p>
@@ -7254,7 +7254,7 @@
           <a:p>
             <a:fld id="{D0EB8BDA-D505-2D4C-A404-933AA441AD23}" type="datetimeFigureOut">
               <a:rPr lang="en-US" smtClean="0"/>
-              <a:t>3/23/17</a:t>
+              <a:t>4/8/17</a:t>
             </a:fld>
             <a:endParaRPr lang="en-US"/>
           </a:p>
@@ -7564,7 +7564,7 @@
           <a:p>
             <a:fld id="{D0EB8BDA-D505-2D4C-A404-933AA441AD23}" type="datetimeFigureOut">
               <a:rPr lang="en-US" smtClean="0"/>
-              <a:t>3/23/17</a:t>
+              <a:t>4/8/17</a:t>
             </a:fld>
             <a:endParaRPr lang="en-US"/>
           </a:p>
@@ -7850,7 +7850,7 @@
           <a:p>
             <a:fld id="{D0EB8BDA-D505-2D4C-A404-933AA441AD23}" type="datetimeFigureOut">
               <a:rPr lang="en-US" smtClean="0"/>
-              <a:t>3/23/17</a:t>
+              <a:t>4/8/17</a:t>
             </a:fld>
             <a:endParaRPr lang="en-US"/>
           </a:p>
@@ -8791,7 +8791,7 @@
           <a:p>
             <a:fld id="{C764DE79-268F-4C1A-8933-263129D2AF90}" type="datetimeFigureOut">
               <a:rPr lang="en-US" dirty="0"/>
-              <a:t>3/23/17</a:t>
+              <a:t>4/8/17</a:t>
             </a:fld>
             <a:endParaRPr lang="en-US" dirty="0"/>
           </a:p>
@@ -9367,8 +9367,8 @@
         </p:blipFill>
         <p:spPr>
           <a:xfrm>
-            <a:off x="7734927" y="857248"/>
-            <a:ext cx="1295384" cy="1449163"/>
+            <a:off x="7525062" y="857248"/>
+            <a:ext cx="1505249" cy="1683942"/>
           </a:xfrm>
           <a:prstGeom prst="rect">
             <a:avLst/>
@@ -9398,7 +9398,7 @@
         <p:spPr>
           <a:xfrm>
             <a:off x="9215" y="867465"/>
-            <a:ext cx="1219977" cy="1228474"/>
+            <a:ext cx="1386394" cy="1396050"/>
           </a:xfrm>
           <a:prstGeom prst="rect">
             <a:avLst/>

--- a/WebContent/WEB-INF/templates/25th Anniversary/master.pptx
+++ b/WebContent/WEB-INF/templates/25th Anniversary/master.pptx
@@ -199,7 +199,7 @@
           <a:p>
             <a:fld id="{4A03472A-F286-9543-9F65-E88EC153A9C1}" type="datetimeFigureOut">
               <a:rPr lang="en-US" smtClean="0"/>
-              <a:t>4/8/17</a:t>
+              <a:t>5/13/17</a:t>
             </a:fld>
             <a:endParaRPr lang="en-US"/>
           </a:p>
@@ -697,7 +697,7 @@
           <a:p>
             <a:fld id="{D0EB8BDA-D505-2D4C-A404-933AA441AD23}" type="datetimeFigureOut">
               <a:rPr lang="en-US" smtClean="0"/>
-              <a:t>4/8/17</a:t>
+              <a:t>5/13/17</a:t>
             </a:fld>
             <a:endParaRPr lang="en-US"/>
           </a:p>
@@ -907,7 +907,7 @@
           <a:p>
             <a:fld id="{D0EB8BDA-D505-2D4C-A404-933AA441AD23}" type="datetimeFigureOut">
               <a:rPr lang="en-US" smtClean="0"/>
-              <a:t>4/8/17</a:t>
+              <a:t>5/13/17</a:t>
             </a:fld>
             <a:endParaRPr lang="en-US"/>
           </a:p>
@@ -1129,7 +1129,7 @@
           <a:p>
             <a:fld id="{5403ACA4-5A36-1D4B-9385-9AF87ADF2C6A}" type="datetimeFigureOut">
               <a:rPr lang="en-US" smtClean="0"/>
-              <a:t>4/8/17</a:t>
+              <a:t>5/13/17</a:t>
             </a:fld>
             <a:endParaRPr lang="en-US"/>
           </a:p>
@@ -1339,7 +1339,7 @@
           <a:p>
             <a:fld id="{5403ACA4-5A36-1D4B-9385-9AF87ADF2C6A}" type="datetimeFigureOut">
               <a:rPr lang="en-US" smtClean="0"/>
-              <a:t>4/8/17</a:t>
+              <a:t>5/13/17</a:t>
             </a:fld>
             <a:endParaRPr lang="en-US"/>
           </a:p>
@@ -1615,7 +1615,7 @@
           <a:p>
             <a:fld id="{5403ACA4-5A36-1D4B-9385-9AF87ADF2C6A}" type="datetimeFigureOut">
               <a:rPr lang="en-US" smtClean="0"/>
-              <a:t>4/8/17</a:t>
+              <a:t>5/13/17</a:t>
             </a:fld>
             <a:endParaRPr lang="en-US"/>
           </a:p>
@@ -1885,7 +1885,7 @@
           <a:p>
             <a:fld id="{5403ACA4-5A36-1D4B-9385-9AF87ADF2C6A}" type="datetimeFigureOut">
               <a:rPr lang="en-US" smtClean="0"/>
-              <a:t>4/8/17</a:t>
+              <a:t>5/13/17</a:t>
             </a:fld>
             <a:endParaRPr lang="en-US"/>
           </a:p>
@@ -2291,7 +2291,7 @@
           <a:p>
             <a:fld id="{5403ACA4-5A36-1D4B-9385-9AF87ADF2C6A}" type="datetimeFigureOut">
               <a:rPr lang="en-US" smtClean="0"/>
-              <a:t>4/8/17</a:t>
+              <a:t>5/13/17</a:t>
             </a:fld>
             <a:endParaRPr lang="en-US"/>
           </a:p>
@@ -2441,7 +2441,7 @@
           <a:p>
             <a:fld id="{5403ACA4-5A36-1D4B-9385-9AF87ADF2C6A}" type="datetimeFigureOut">
               <a:rPr lang="en-US" smtClean="0"/>
-              <a:t>4/8/17</a:t>
+              <a:t>5/13/17</a:t>
             </a:fld>
             <a:endParaRPr lang="en-US"/>
           </a:p>
@@ -2560,7 +2560,7 @@
           <a:p>
             <a:fld id="{5403ACA4-5A36-1D4B-9385-9AF87ADF2C6A}" type="datetimeFigureOut">
               <a:rPr lang="en-US" smtClean="0"/>
-              <a:t>4/8/17</a:t>
+              <a:t>5/13/17</a:t>
             </a:fld>
             <a:endParaRPr lang="en-US"/>
           </a:p>
@@ -2870,7 +2870,7 @@
           <a:p>
             <a:fld id="{5403ACA4-5A36-1D4B-9385-9AF87ADF2C6A}" type="datetimeFigureOut">
               <a:rPr lang="en-US" smtClean="0"/>
-              <a:t>4/8/17</a:t>
+              <a:t>5/13/17</a:t>
             </a:fld>
             <a:endParaRPr lang="en-US"/>
           </a:p>
@@ -3080,7 +3080,7 @@
           <a:p>
             <a:fld id="{D0EB8BDA-D505-2D4C-A404-933AA441AD23}" type="datetimeFigureOut">
               <a:rPr lang="en-US" smtClean="0"/>
-              <a:t>4/8/17</a:t>
+              <a:t>5/13/17</a:t>
             </a:fld>
             <a:endParaRPr lang="en-US"/>
           </a:p>
@@ -3366,7 +3366,7 @@
           <a:p>
             <a:fld id="{5403ACA4-5A36-1D4B-9385-9AF87ADF2C6A}" type="datetimeFigureOut">
               <a:rPr lang="en-US" smtClean="0"/>
-              <a:t>4/8/17</a:t>
+              <a:t>5/13/17</a:t>
             </a:fld>
             <a:endParaRPr lang="en-US"/>
           </a:p>
@@ -3576,7 +3576,7 @@
           <a:p>
             <a:fld id="{5403ACA4-5A36-1D4B-9385-9AF87ADF2C6A}" type="datetimeFigureOut">
               <a:rPr lang="en-US" smtClean="0"/>
-              <a:t>4/8/17</a:t>
+              <a:t>5/13/17</a:t>
             </a:fld>
             <a:endParaRPr lang="en-US"/>
           </a:p>
@@ -3786,7 +3786,7 @@
           <a:p>
             <a:fld id="{5403ACA4-5A36-1D4B-9385-9AF87ADF2C6A}" type="datetimeFigureOut">
               <a:rPr lang="en-US" smtClean="0"/>
-              <a:t>4/8/17</a:t>
+              <a:t>5/13/17</a:t>
             </a:fld>
             <a:endParaRPr lang="en-US"/>
           </a:p>
@@ -3994,7 +3994,7 @@
           <a:p>
             <a:fld id="{5403ACA4-5A36-1D4B-9385-9AF87ADF2C6A}" type="datetimeFigureOut">
               <a:rPr lang="en-US" smtClean="0"/>
-              <a:t>4/8/17</a:t>
+              <a:t>5/13/17</a:t>
             </a:fld>
             <a:endParaRPr lang="en-US"/>
           </a:p>
@@ -4159,7 +4159,7 @@
           <a:p>
             <a:fld id="{5403ACA4-5A36-1D4B-9385-9AF87ADF2C6A}" type="datetimeFigureOut">
               <a:rPr lang="en-US" smtClean="0"/>
-              <a:t>4/8/17</a:t>
+              <a:t>5/13/17</a:t>
             </a:fld>
             <a:endParaRPr lang="en-US"/>
           </a:p>
@@ -4398,7 +4398,7 @@
           <a:p>
             <a:fld id="{5403ACA4-5A36-1D4B-9385-9AF87ADF2C6A}" type="datetimeFigureOut">
               <a:rPr lang="en-US" smtClean="0"/>
-              <a:t>4/8/17</a:t>
+              <a:t>5/13/17</a:t>
             </a:fld>
             <a:endParaRPr lang="en-US"/>
           </a:p>
@@ -4625,7 +4625,7 @@
           <a:p>
             <a:fld id="{5403ACA4-5A36-1D4B-9385-9AF87ADF2C6A}" type="datetimeFigureOut">
               <a:rPr lang="en-US" smtClean="0"/>
-              <a:t>4/8/17</a:t>
+              <a:t>5/13/17</a:t>
             </a:fld>
             <a:endParaRPr lang="en-US"/>
           </a:p>
@@ -4987,7 +4987,7 @@
           <a:p>
             <a:fld id="{5403ACA4-5A36-1D4B-9385-9AF87ADF2C6A}" type="datetimeFigureOut">
               <a:rPr lang="en-US" smtClean="0"/>
-              <a:t>4/8/17</a:t>
+              <a:t>5/13/17</a:t>
             </a:fld>
             <a:endParaRPr lang="en-US"/>
           </a:p>
@@ -5100,7 +5100,7 @@
           <a:p>
             <a:fld id="{5403ACA4-5A36-1D4B-9385-9AF87ADF2C6A}" type="datetimeFigureOut">
               <a:rPr lang="en-US" smtClean="0"/>
-              <a:t>4/8/17</a:t>
+              <a:t>5/13/17</a:t>
             </a:fld>
             <a:endParaRPr lang="en-US"/>
           </a:p>
@@ -5190,7 +5190,7 @@
           <a:p>
             <a:fld id="{5403ACA4-5A36-1D4B-9385-9AF87ADF2C6A}" type="datetimeFigureOut">
               <a:rPr lang="en-US" smtClean="0"/>
-              <a:t>4/8/17</a:t>
+              <a:t>5/13/17</a:t>
             </a:fld>
             <a:endParaRPr lang="en-US"/>
           </a:p>
@@ -5445,7 +5445,7 @@
           <a:p>
             <a:fld id="{D0EB8BDA-D505-2D4C-A404-933AA441AD23}" type="datetimeFigureOut">
               <a:rPr lang="en-US" smtClean="0"/>
-              <a:t>4/8/17</a:t>
+              <a:t>5/13/17</a:t>
             </a:fld>
             <a:endParaRPr lang="en-US"/>
           </a:p>
@@ -5738,7 +5738,7 @@
           <a:p>
             <a:fld id="{5403ACA4-5A36-1D4B-9385-9AF87ADF2C6A}" type="datetimeFigureOut">
               <a:rPr lang="en-US" smtClean="0"/>
-              <a:t>4/8/17</a:t>
+              <a:t>5/13/17</a:t>
             </a:fld>
             <a:endParaRPr lang="en-US"/>
           </a:p>
@@ -5990,7 +5990,7 @@
           <a:p>
             <a:fld id="{5403ACA4-5A36-1D4B-9385-9AF87ADF2C6A}" type="datetimeFigureOut">
               <a:rPr lang="en-US" smtClean="0"/>
-              <a:t>4/8/17</a:t>
+              <a:t>5/13/17</a:t>
             </a:fld>
             <a:endParaRPr lang="en-US"/>
           </a:p>
@@ -6155,7 +6155,7 @@
           <a:p>
             <a:fld id="{5403ACA4-5A36-1D4B-9385-9AF87ADF2C6A}" type="datetimeFigureOut">
               <a:rPr lang="en-US" smtClean="0"/>
-              <a:t>4/8/17</a:t>
+              <a:t>5/13/17</a:t>
             </a:fld>
             <a:endParaRPr lang="en-US"/>
           </a:p>
@@ -6330,7 +6330,7 @@
           <a:p>
             <a:fld id="{5403ACA4-5A36-1D4B-9385-9AF87ADF2C6A}" type="datetimeFigureOut">
               <a:rPr lang="en-US" smtClean="0"/>
-              <a:t>4/8/17</a:t>
+              <a:t>5/13/17</a:t>
             </a:fld>
             <a:endParaRPr lang="en-US"/>
           </a:p>
@@ -6579,7 +6579,7 @@
           <a:p>
             <a:fld id="{D0EB8BDA-D505-2D4C-A404-933AA441AD23}" type="datetimeFigureOut">
               <a:rPr lang="en-US" smtClean="0"/>
-              <a:t>4/8/17</a:t>
+              <a:t>5/13/17</a:t>
             </a:fld>
             <a:endParaRPr lang="en-US"/>
           </a:p>
@@ -6985,7 +6985,7 @@
           <a:p>
             <a:fld id="{D0EB8BDA-D505-2D4C-A404-933AA441AD23}" type="datetimeFigureOut">
               <a:rPr lang="en-US" smtClean="0"/>
-              <a:t>4/8/17</a:t>
+              <a:t>5/13/17</a:t>
             </a:fld>
             <a:endParaRPr lang="en-US"/>
           </a:p>
@@ -7135,7 +7135,7 @@
           <a:p>
             <a:fld id="{D0EB8BDA-D505-2D4C-A404-933AA441AD23}" type="datetimeFigureOut">
               <a:rPr lang="en-US" smtClean="0"/>
-              <a:t>4/8/17</a:t>
+              <a:t>5/13/17</a:t>
             </a:fld>
             <a:endParaRPr lang="en-US"/>
           </a:p>
@@ -7254,7 +7254,7 @@
           <a:p>
             <a:fld id="{D0EB8BDA-D505-2D4C-A404-933AA441AD23}" type="datetimeFigureOut">
               <a:rPr lang="en-US" smtClean="0"/>
-              <a:t>4/8/17</a:t>
+              <a:t>5/13/17</a:t>
             </a:fld>
             <a:endParaRPr lang="en-US"/>
           </a:p>
@@ -7564,7 +7564,7 @@
           <a:p>
             <a:fld id="{D0EB8BDA-D505-2D4C-A404-933AA441AD23}" type="datetimeFigureOut">
               <a:rPr lang="en-US" smtClean="0"/>
-              <a:t>4/8/17</a:t>
+              <a:t>5/13/17</a:t>
             </a:fld>
             <a:endParaRPr lang="en-US"/>
           </a:p>
@@ -7850,7 +7850,7 @@
           <a:p>
             <a:fld id="{D0EB8BDA-D505-2D4C-A404-933AA441AD23}" type="datetimeFigureOut">
               <a:rPr lang="en-US" smtClean="0"/>
-              <a:t>4/8/17</a:t>
+              <a:t>5/13/17</a:t>
             </a:fld>
             <a:endParaRPr lang="en-US"/>
           </a:p>
@@ -8791,7 +8791,7 @@
           <a:p>
             <a:fld id="{C764DE79-268F-4C1A-8933-263129D2AF90}" type="datetimeFigureOut">
               <a:rPr lang="en-US" dirty="0"/>
-              <a:t>4/8/17</a:t>
+              <a:t>5/13/17</a:t>
             </a:fld>
             <a:endParaRPr lang="en-US" dirty="0"/>
           </a:p>
@@ -9348,35 +9348,6 @@
       </p:sp>
       <p:pic>
         <p:nvPicPr>
-          <p:cNvPr id="8" name="Picture 7"/>
-          <p:cNvPicPr>
-            <a:picLocks noChangeAspect="1"/>
-          </p:cNvPicPr>
-          <p:nvPr/>
-        </p:nvPicPr>
-        <p:blipFill rotWithShape="1">
-          <a:blip r:embed="rId2">
-            <a:extLst>
-              <a:ext uri="{28A0092B-C50C-407E-A947-70E740481C1C}">
-                <a14:useLocalDpi xmlns:a14="http://schemas.microsoft.com/office/drawing/2010/main" val="0"/>
-              </a:ext>
-            </a:extLst>
-          </a:blip>
-          <a:srcRect l="5103" t="12791" r="8163" b="6380"/>
-          <a:stretch/>
-        </p:blipFill>
-        <p:spPr>
-          <a:xfrm>
-            <a:off x="7525062" y="857248"/>
-            <a:ext cx="1505249" cy="1683942"/>
-          </a:xfrm>
-          <a:prstGeom prst="rect">
-            <a:avLst/>
-          </a:prstGeom>
-        </p:spPr>
-      </p:pic>
-      <p:pic>
-        <p:nvPicPr>
           <p:cNvPr id="9" name="Picture 8"/>
           <p:cNvPicPr>
             <a:picLocks noChangeAspect="1"/>
@@ -9384,7 +9355,7 @@
           <p:nvPr/>
         </p:nvPicPr>
         <p:blipFill>
-          <a:blip r:embed="rId3">
+          <a:blip r:embed="rId2">
             <a:extLst>
               <a:ext uri="{28A0092B-C50C-407E-A947-70E740481C1C}">
                 <a14:useLocalDpi xmlns:a14="http://schemas.microsoft.com/office/drawing/2010/main" val="0"/>
@@ -9448,6 +9419,30 @@
           </a:p>
         </p:txBody>
       </p:sp>
+      <p:pic>
+        <p:nvPicPr>
+          <p:cNvPr id="10" name="Picture 9"/>
+          <p:cNvPicPr>
+            <a:picLocks noChangeAspect="1"/>
+          </p:cNvPicPr>
+          <p:nvPr/>
+        </p:nvPicPr>
+        <p:blipFill>
+          <a:blip r:embed="rId3"/>
+          <a:stretch>
+            <a:fillRect/>
+          </a:stretch>
+        </p:blipFill>
+        <p:spPr>
+          <a:xfrm>
+            <a:off x="7666094" y="867467"/>
+            <a:ext cx="1417946" cy="1533539"/>
+          </a:xfrm>
+          <a:prstGeom prst="rect">
+            <a:avLst/>
+          </a:prstGeom>
+        </p:spPr>
+      </p:pic>
     </p:spTree>
     <p:extLst>
       <p:ext uri="{BB962C8B-B14F-4D97-AF65-F5344CB8AC3E}">
